--- a/설명.pptx
+++ b/설명.pptx
@@ -9,6 +9,7 @@
     <p:sldId id="257" r:id="rId3"/>
     <p:sldId id="258" r:id="rId4"/>
     <p:sldId id="259" r:id="rId5"/>
+    <p:sldId id="260" r:id="rId6"/>
   </p:sldIdLst>
   <p:sldSz cx="12192000" cy="6858000"/>
   <p:notesSz cx="6858000" cy="9144000"/>
@@ -262,7 +263,7 @@
           <a:p>
             <a:fld id="{FFD2F611-C044-467F-B8C4-A6B6B4A4C41D}" type="datetimeFigureOut">
               <a:rPr lang="ko-KR" altLang="en-US" smtClean="0"/>
-              <a:t>2021-01-05</a:t>
+              <a:t>2021-01-14</a:t>
             </a:fld>
             <a:endParaRPr lang="ko-KR" altLang="en-US"/>
           </a:p>
@@ -460,7 +461,7 @@
           <a:p>
             <a:fld id="{FFD2F611-C044-467F-B8C4-A6B6B4A4C41D}" type="datetimeFigureOut">
               <a:rPr lang="ko-KR" altLang="en-US" smtClean="0"/>
-              <a:t>2021-01-05</a:t>
+              <a:t>2021-01-14</a:t>
             </a:fld>
             <a:endParaRPr lang="ko-KR" altLang="en-US"/>
           </a:p>
@@ -668,7 +669,7 @@
           <a:p>
             <a:fld id="{FFD2F611-C044-467F-B8C4-A6B6B4A4C41D}" type="datetimeFigureOut">
               <a:rPr lang="ko-KR" altLang="en-US" smtClean="0"/>
-              <a:t>2021-01-05</a:t>
+              <a:t>2021-01-14</a:t>
             </a:fld>
             <a:endParaRPr lang="ko-KR" altLang="en-US"/>
           </a:p>
@@ -866,7 +867,7 @@
           <a:p>
             <a:fld id="{FFD2F611-C044-467F-B8C4-A6B6B4A4C41D}" type="datetimeFigureOut">
               <a:rPr lang="ko-KR" altLang="en-US" smtClean="0"/>
-              <a:t>2021-01-05</a:t>
+              <a:t>2021-01-14</a:t>
             </a:fld>
             <a:endParaRPr lang="ko-KR" altLang="en-US"/>
           </a:p>
@@ -1141,7 +1142,7 @@
           <a:p>
             <a:fld id="{FFD2F611-C044-467F-B8C4-A6B6B4A4C41D}" type="datetimeFigureOut">
               <a:rPr lang="ko-KR" altLang="en-US" smtClean="0"/>
-              <a:t>2021-01-05</a:t>
+              <a:t>2021-01-14</a:t>
             </a:fld>
             <a:endParaRPr lang="ko-KR" altLang="en-US"/>
           </a:p>
@@ -1406,7 +1407,7 @@
           <a:p>
             <a:fld id="{FFD2F611-C044-467F-B8C4-A6B6B4A4C41D}" type="datetimeFigureOut">
               <a:rPr lang="ko-KR" altLang="en-US" smtClean="0"/>
-              <a:t>2021-01-05</a:t>
+              <a:t>2021-01-14</a:t>
             </a:fld>
             <a:endParaRPr lang="ko-KR" altLang="en-US"/>
           </a:p>
@@ -1818,7 +1819,7 @@
           <a:p>
             <a:fld id="{FFD2F611-C044-467F-B8C4-A6B6B4A4C41D}" type="datetimeFigureOut">
               <a:rPr lang="ko-KR" altLang="en-US" smtClean="0"/>
-              <a:t>2021-01-05</a:t>
+              <a:t>2021-01-14</a:t>
             </a:fld>
             <a:endParaRPr lang="ko-KR" altLang="en-US"/>
           </a:p>
@@ -1959,7 +1960,7 @@
           <a:p>
             <a:fld id="{FFD2F611-C044-467F-B8C4-A6B6B4A4C41D}" type="datetimeFigureOut">
               <a:rPr lang="ko-KR" altLang="en-US" smtClean="0"/>
-              <a:t>2021-01-05</a:t>
+              <a:t>2021-01-14</a:t>
             </a:fld>
             <a:endParaRPr lang="ko-KR" altLang="en-US"/>
           </a:p>
@@ -2072,7 +2073,7 @@
           <a:p>
             <a:fld id="{FFD2F611-C044-467F-B8C4-A6B6B4A4C41D}" type="datetimeFigureOut">
               <a:rPr lang="ko-KR" altLang="en-US" smtClean="0"/>
-              <a:t>2021-01-05</a:t>
+              <a:t>2021-01-14</a:t>
             </a:fld>
             <a:endParaRPr lang="ko-KR" altLang="en-US"/>
           </a:p>
@@ -2383,7 +2384,7 @@
           <a:p>
             <a:fld id="{FFD2F611-C044-467F-B8C4-A6B6B4A4C41D}" type="datetimeFigureOut">
               <a:rPr lang="ko-KR" altLang="en-US" smtClean="0"/>
-              <a:t>2021-01-05</a:t>
+              <a:t>2021-01-14</a:t>
             </a:fld>
             <a:endParaRPr lang="ko-KR" altLang="en-US"/>
           </a:p>
@@ -2671,7 +2672,7 @@
           <a:p>
             <a:fld id="{FFD2F611-C044-467F-B8C4-A6B6B4A4C41D}" type="datetimeFigureOut">
               <a:rPr lang="ko-KR" altLang="en-US" smtClean="0"/>
-              <a:t>2021-01-05</a:t>
+              <a:t>2021-01-14</a:t>
             </a:fld>
             <a:endParaRPr lang="ko-KR" altLang="en-US"/>
           </a:p>
@@ -2912,7 +2913,7 @@
           <a:p>
             <a:fld id="{FFD2F611-C044-467F-B8C4-A6B6B4A4C41D}" type="datetimeFigureOut">
               <a:rPr lang="ko-KR" altLang="en-US" smtClean="0"/>
-              <a:t>2021-01-05</a:t>
+              <a:t>2021-01-14</a:t>
             </a:fld>
             <a:endParaRPr lang="ko-KR" altLang="en-US"/>
           </a:p>
@@ -3934,6 +3935,116 @@
 </p:sld>
 </file>
 
+<file path=ppt/slides/slide5.xml><?xml version="1.0" encoding="utf-8"?>
+<p:sld xmlns:a="http://schemas.openxmlformats.org/drawingml/2006/main" xmlns:r="http://schemas.openxmlformats.org/officeDocument/2006/relationships" xmlns:p="http://schemas.openxmlformats.org/presentationml/2006/main">
+  <p:cSld>
+    <p:spTree>
+      <p:nvGrpSpPr>
+        <p:cNvPr id="1" name=""/>
+        <p:cNvGrpSpPr/>
+        <p:nvPr/>
+      </p:nvGrpSpPr>
+      <p:grpSpPr>
+        <a:xfrm>
+          <a:off x="0" y="0"/>
+          <a:ext cx="0" cy="0"/>
+          <a:chOff x="0" y="0"/>
+          <a:chExt cx="0" cy="0"/>
+        </a:xfrm>
+      </p:grpSpPr>
+      <p:sp>
+        <p:nvSpPr>
+          <p:cNvPr id="2" name="제목 1">
+            <a:extLst>
+              <a:ext uri="{FF2B5EF4-FFF2-40B4-BE49-F238E27FC236}">
+                <a16:creationId xmlns:a16="http://schemas.microsoft.com/office/drawing/2014/main" id="{82DB031A-7DA4-4177-A1AA-8D04A62880C6}"/>
+              </a:ext>
+            </a:extLst>
+          </p:cNvPr>
+          <p:cNvSpPr>
+            <a:spLocks noGrp="1"/>
+          </p:cNvSpPr>
+          <p:nvPr>
+            <p:ph type="title"/>
+          </p:nvPr>
+        </p:nvSpPr>
+        <p:spPr/>
+        <p:txBody>
+          <a:bodyPr/>
+          <a:lstStyle/>
+          <a:p>
+            <a:r>
+              <a:rPr lang="en-US" altLang="ko-KR" dirty="0"/>
+              <a:t>4. </a:t>
+            </a:r>
+            <a:r>
+              <a:rPr lang="ko-KR" altLang="en-US" dirty="0"/>
+              <a:t>진행상황</a:t>
+            </a:r>
+          </a:p>
+        </p:txBody>
+      </p:sp>
+      <p:sp>
+        <p:nvSpPr>
+          <p:cNvPr id="3" name="내용 개체 틀 2">
+            <a:extLst>
+              <a:ext uri="{FF2B5EF4-FFF2-40B4-BE49-F238E27FC236}">
+                <a16:creationId xmlns:a16="http://schemas.microsoft.com/office/drawing/2014/main" id="{47713889-ABDE-4235-A739-82320E39B4A9}"/>
+              </a:ext>
+            </a:extLst>
+          </p:cNvPr>
+          <p:cNvSpPr>
+            <a:spLocks noGrp="1"/>
+          </p:cNvSpPr>
+          <p:nvPr>
+            <p:ph idx="1"/>
+          </p:nvPr>
+        </p:nvSpPr>
+        <p:spPr/>
+        <p:txBody>
+          <a:bodyPr/>
+          <a:lstStyle/>
+          <a:p>
+            <a:r>
+              <a:rPr lang="ko-KR" altLang="en-US" dirty="0"/>
+              <a:t>회원가입 </a:t>
+            </a:r>
+            <a:r>
+              <a:rPr lang="en-US" altLang="ko-KR" dirty="0" err="1"/>
+              <a:t>kakao</a:t>
+            </a:r>
+            <a:r>
+              <a:rPr lang="ko-KR" altLang="en-US" dirty="0"/>
+              <a:t>인증단계 까지 완료 </a:t>
+            </a:r>
+            <a:r>
+              <a:rPr lang="en-US" altLang="ko-KR" dirty="0"/>
+              <a:t>token </a:t>
+            </a:r>
+            <a:r>
+              <a:rPr lang="ko-KR" altLang="en-US" dirty="0" err="1"/>
+              <a:t>받아오기</a:t>
+            </a:r>
+            <a:r>
+              <a:rPr lang="ko-KR" altLang="en-US"/>
+              <a:t> 진행 중</a:t>
+            </a:r>
+          </a:p>
+        </p:txBody>
+      </p:sp>
+    </p:spTree>
+    <p:extLst>
+      <p:ext uri="{BB962C8B-B14F-4D97-AF65-F5344CB8AC3E}">
+        <p14:creationId xmlns:p14="http://schemas.microsoft.com/office/powerpoint/2010/main" val="2574501374"/>
+      </p:ext>
+    </p:extLst>
+  </p:cSld>
+  <p:clrMapOvr>
+    <a:masterClrMapping/>
+  </p:clrMapOvr>
+</p:sld>
+</file>
+
 <file path=ppt/theme/theme1.xml><?xml version="1.0" encoding="utf-8"?>
 <a:theme xmlns:a="http://schemas.openxmlformats.org/drawingml/2006/main" name="Office 테마">
   <a:themeElements>

--- a/설명.pptx
+++ b/설명.pptx
@@ -10,6 +10,7 @@
     <p:sldId id="258" r:id="rId4"/>
     <p:sldId id="259" r:id="rId5"/>
     <p:sldId id="260" r:id="rId6"/>
+    <p:sldId id="261" r:id="rId7"/>
   </p:sldIdLst>
   <p:sldSz cx="12192000" cy="6858000"/>
   <p:notesSz cx="6858000" cy="9144000"/>
@@ -263,7 +264,7 @@
           <a:p>
             <a:fld id="{FFD2F611-C044-467F-B8C4-A6B6B4A4C41D}" type="datetimeFigureOut">
               <a:rPr lang="ko-KR" altLang="en-US" smtClean="0"/>
-              <a:t>2021-01-14</a:t>
+              <a:t>2021-01-15</a:t>
             </a:fld>
             <a:endParaRPr lang="ko-KR" altLang="en-US"/>
           </a:p>
@@ -461,7 +462,7 @@
           <a:p>
             <a:fld id="{FFD2F611-C044-467F-B8C4-A6B6B4A4C41D}" type="datetimeFigureOut">
               <a:rPr lang="ko-KR" altLang="en-US" smtClean="0"/>
-              <a:t>2021-01-14</a:t>
+              <a:t>2021-01-15</a:t>
             </a:fld>
             <a:endParaRPr lang="ko-KR" altLang="en-US"/>
           </a:p>
@@ -669,7 +670,7 @@
           <a:p>
             <a:fld id="{FFD2F611-C044-467F-B8C4-A6B6B4A4C41D}" type="datetimeFigureOut">
               <a:rPr lang="ko-KR" altLang="en-US" smtClean="0"/>
-              <a:t>2021-01-14</a:t>
+              <a:t>2021-01-15</a:t>
             </a:fld>
             <a:endParaRPr lang="ko-KR" altLang="en-US"/>
           </a:p>
@@ -867,7 +868,7 @@
           <a:p>
             <a:fld id="{FFD2F611-C044-467F-B8C4-A6B6B4A4C41D}" type="datetimeFigureOut">
               <a:rPr lang="ko-KR" altLang="en-US" smtClean="0"/>
-              <a:t>2021-01-14</a:t>
+              <a:t>2021-01-15</a:t>
             </a:fld>
             <a:endParaRPr lang="ko-KR" altLang="en-US"/>
           </a:p>
@@ -1142,7 +1143,7 @@
           <a:p>
             <a:fld id="{FFD2F611-C044-467F-B8C4-A6B6B4A4C41D}" type="datetimeFigureOut">
               <a:rPr lang="ko-KR" altLang="en-US" smtClean="0"/>
-              <a:t>2021-01-14</a:t>
+              <a:t>2021-01-15</a:t>
             </a:fld>
             <a:endParaRPr lang="ko-KR" altLang="en-US"/>
           </a:p>
@@ -1407,7 +1408,7 @@
           <a:p>
             <a:fld id="{FFD2F611-C044-467F-B8C4-A6B6B4A4C41D}" type="datetimeFigureOut">
               <a:rPr lang="ko-KR" altLang="en-US" smtClean="0"/>
-              <a:t>2021-01-14</a:t>
+              <a:t>2021-01-15</a:t>
             </a:fld>
             <a:endParaRPr lang="ko-KR" altLang="en-US"/>
           </a:p>
@@ -1819,7 +1820,7 @@
           <a:p>
             <a:fld id="{FFD2F611-C044-467F-B8C4-A6B6B4A4C41D}" type="datetimeFigureOut">
               <a:rPr lang="ko-KR" altLang="en-US" smtClean="0"/>
-              <a:t>2021-01-14</a:t>
+              <a:t>2021-01-15</a:t>
             </a:fld>
             <a:endParaRPr lang="ko-KR" altLang="en-US"/>
           </a:p>
@@ -1960,7 +1961,7 @@
           <a:p>
             <a:fld id="{FFD2F611-C044-467F-B8C4-A6B6B4A4C41D}" type="datetimeFigureOut">
               <a:rPr lang="ko-KR" altLang="en-US" smtClean="0"/>
-              <a:t>2021-01-14</a:t>
+              <a:t>2021-01-15</a:t>
             </a:fld>
             <a:endParaRPr lang="ko-KR" altLang="en-US"/>
           </a:p>
@@ -2073,7 +2074,7 @@
           <a:p>
             <a:fld id="{FFD2F611-C044-467F-B8C4-A6B6B4A4C41D}" type="datetimeFigureOut">
               <a:rPr lang="ko-KR" altLang="en-US" smtClean="0"/>
-              <a:t>2021-01-14</a:t>
+              <a:t>2021-01-15</a:t>
             </a:fld>
             <a:endParaRPr lang="ko-KR" altLang="en-US"/>
           </a:p>
@@ -2384,7 +2385,7 @@
           <a:p>
             <a:fld id="{FFD2F611-C044-467F-B8C4-A6B6B4A4C41D}" type="datetimeFigureOut">
               <a:rPr lang="ko-KR" altLang="en-US" smtClean="0"/>
-              <a:t>2021-01-14</a:t>
+              <a:t>2021-01-15</a:t>
             </a:fld>
             <a:endParaRPr lang="ko-KR" altLang="en-US"/>
           </a:p>
@@ -2672,7 +2673,7 @@
           <a:p>
             <a:fld id="{FFD2F611-C044-467F-B8C4-A6B6B4A4C41D}" type="datetimeFigureOut">
               <a:rPr lang="ko-KR" altLang="en-US" smtClean="0"/>
-              <a:t>2021-01-14</a:t>
+              <a:t>2021-01-15</a:t>
             </a:fld>
             <a:endParaRPr lang="ko-KR" altLang="en-US"/>
           </a:p>
@@ -2913,7 +2914,7 @@
           <a:p>
             <a:fld id="{FFD2F611-C044-467F-B8C4-A6B6B4A4C41D}" type="datetimeFigureOut">
               <a:rPr lang="ko-KR" altLang="en-US" smtClean="0"/>
-              <a:t>2021-01-14</a:t>
+              <a:t>2021-01-15</a:t>
             </a:fld>
             <a:endParaRPr lang="ko-KR" altLang="en-US"/>
           </a:p>
@@ -4007,28 +4008,55 @@
           <a:p>
             <a:r>
               <a:rPr lang="ko-KR" altLang="en-US" dirty="0"/>
-              <a:t>회원가입 </a:t>
-            </a:r>
-            <a:r>
-              <a:rPr lang="en-US" altLang="ko-KR" dirty="0" err="1"/>
-              <a:t>kakao</a:t>
+              <a:t>회원가입</a:t>
+            </a:r>
+            <a:endParaRPr lang="en-US" altLang="ko-KR" dirty="0"/>
+          </a:p>
+          <a:p>
+            <a:pPr marL="457200" lvl="1" indent="0">
+              <a:buNone/>
+            </a:pPr>
+            <a:r>
+              <a:rPr lang="en-US" altLang="ko-KR" dirty="0"/>
+              <a:t>- </a:t>
             </a:r>
             <a:r>
               <a:rPr lang="ko-KR" altLang="en-US" dirty="0"/>
-              <a:t>인증단계 까지 완료 </a:t>
+              <a:t>카카오 계정으로 회원가입 완료</a:t>
+            </a:r>
+            <a:endParaRPr lang="en-US" altLang="ko-KR" dirty="0"/>
+          </a:p>
+          <a:p>
+            <a:endParaRPr lang="en-US" altLang="ko-KR" dirty="0"/>
+          </a:p>
+          <a:p>
+            <a:r>
+              <a:rPr lang="ko-KR" altLang="en-US" dirty="0"/>
+              <a:t>로그인</a:t>
             </a:r>
             <a:r>
               <a:rPr lang="en-US" altLang="ko-KR" dirty="0"/>
-              <a:t>token </a:t>
-            </a:r>
-            <a:r>
-              <a:rPr lang="ko-KR" altLang="en-US" dirty="0" err="1"/>
-              <a:t>받아오기</a:t>
-            </a:r>
-            <a:r>
-              <a:rPr lang="ko-KR" altLang="en-US"/>
-              <a:t> 진행 중</a:t>
-            </a:r>
+              <a:t>/</a:t>
+            </a:r>
+            <a:r>
+              <a:rPr lang="ko-KR" altLang="en-US" dirty="0"/>
+              <a:t>로그아웃 </a:t>
+            </a:r>
+            <a:r>
+              <a:rPr lang="en-US" altLang="ko-KR" dirty="0"/>
+              <a:t>– </a:t>
+            </a:r>
+            <a:r>
+              <a:rPr lang="ko-KR" altLang="en-US" dirty="0"/>
+              <a:t>구현 필요</a:t>
+            </a:r>
+            <a:endParaRPr lang="en-US" altLang="ko-KR" dirty="0"/>
+          </a:p>
+          <a:p>
+            <a:endParaRPr lang="en-US" altLang="ko-KR" dirty="0"/>
+          </a:p>
+          <a:p>
+            <a:endParaRPr lang="en-US" altLang="ko-KR" dirty="0"/>
           </a:p>
         </p:txBody>
       </p:sp>
@@ -4036,6 +4064,119 @@
     <p:extLst>
       <p:ext uri="{BB962C8B-B14F-4D97-AF65-F5344CB8AC3E}">
         <p14:creationId xmlns:p14="http://schemas.microsoft.com/office/powerpoint/2010/main" val="2574501374"/>
+      </p:ext>
+    </p:extLst>
+  </p:cSld>
+  <p:clrMapOvr>
+    <a:masterClrMapping/>
+  </p:clrMapOvr>
+</p:sld>
+</file>
+
+<file path=ppt/slides/slide6.xml><?xml version="1.0" encoding="utf-8"?>
+<p:sld xmlns:a="http://schemas.openxmlformats.org/drawingml/2006/main" xmlns:r="http://schemas.openxmlformats.org/officeDocument/2006/relationships" xmlns:p="http://schemas.openxmlformats.org/presentationml/2006/main">
+  <p:cSld>
+    <p:spTree>
+      <p:nvGrpSpPr>
+        <p:cNvPr id="1" name=""/>
+        <p:cNvGrpSpPr/>
+        <p:nvPr/>
+      </p:nvGrpSpPr>
+      <p:grpSpPr>
+        <a:xfrm>
+          <a:off x="0" y="0"/>
+          <a:ext cx="0" cy="0"/>
+          <a:chOff x="0" y="0"/>
+          <a:chExt cx="0" cy="0"/>
+        </a:xfrm>
+      </p:grpSpPr>
+      <p:sp>
+        <p:nvSpPr>
+          <p:cNvPr id="2" name="제목 1">
+            <a:extLst>
+              <a:ext uri="{FF2B5EF4-FFF2-40B4-BE49-F238E27FC236}">
+                <a16:creationId xmlns:a16="http://schemas.microsoft.com/office/drawing/2014/main" id="{0E49656C-046F-44E8-A196-92852EFCA349}"/>
+              </a:ext>
+            </a:extLst>
+          </p:cNvPr>
+          <p:cNvSpPr>
+            <a:spLocks noGrp="1"/>
+          </p:cNvSpPr>
+          <p:nvPr>
+            <p:ph type="title"/>
+          </p:nvPr>
+        </p:nvSpPr>
+        <p:spPr/>
+        <p:txBody>
+          <a:bodyPr/>
+          <a:lstStyle/>
+          <a:p>
+            <a:r>
+              <a:rPr lang="en-US" altLang="ko-KR" dirty="0"/>
+              <a:t>5. </a:t>
+            </a:r>
+            <a:r>
+              <a:rPr lang="ko-KR" altLang="en-US" dirty="0"/>
+              <a:t>개발환경</a:t>
+            </a:r>
+          </a:p>
+        </p:txBody>
+      </p:sp>
+      <p:sp>
+        <p:nvSpPr>
+          <p:cNvPr id="3" name="내용 개체 틀 2">
+            <a:extLst>
+              <a:ext uri="{FF2B5EF4-FFF2-40B4-BE49-F238E27FC236}">
+                <a16:creationId xmlns:a16="http://schemas.microsoft.com/office/drawing/2014/main" id="{53E91C1B-5F9E-46B5-AE8B-BD503F183BAC}"/>
+              </a:ext>
+            </a:extLst>
+          </p:cNvPr>
+          <p:cNvSpPr>
+            <a:spLocks noGrp="1"/>
+          </p:cNvSpPr>
+          <p:nvPr>
+            <p:ph idx="1"/>
+          </p:nvPr>
+        </p:nvSpPr>
+        <p:spPr/>
+        <p:txBody>
+          <a:bodyPr/>
+          <a:lstStyle/>
+          <a:p>
+            <a:r>
+              <a:rPr lang="en-US" altLang="ko-KR" dirty="0"/>
+              <a:t>Django 3.1.5</a:t>
+            </a:r>
+          </a:p>
+          <a:p>
+            <a:endParaRPr lang="en-US" altLang="ko-KR" dirty="0"/>
+          </a:p>
+          <a:p>
+            <a:r>
+              <a:rPr lang="en-US" altLang="ko-KR" dirty="0" err="1"/>
+              <a:t>postgreSQL</a:t>
+            </a:r>
+            <a:r>
+              <a:rPr lang="en-US" altLang="ko-KR" dirty="0"/>
+              <a:t> 13.1</a:t>
+            </a:r>
+          </a:p>
+          <a:p>
+            <a:endParaRPr lang="en-US" altLang="ko-KR" dirty="0"/>
+          </a:p>
+          <a:p>
+            <a:r>
+              <a:rPr lang="en-US" altLang="ko-KR" dirty="0"/>
+              <a:t>Python 3.8.2</a:t>
+            </a:r>
+            <a:endParaRPr lang="ko-KR" altLang="en-US" dirty="0"/>
+          </a:p>
+        </p:txBody>
+      </p:sp>
+    </p:spTree>
+    <p:extLst>
+      <p:ext uri="{BB962C8B-B14F-4D97-AF65-F5344CB8AC3E}">
+        <p14:creationId xmlns:p14="http://schemas.microsoft.com/office/powerpoint/2010/main" val="453296809"/>
       </p:ext>
     </p:extLst>
   </p:cSld>

--- a/설명.pptx
+++ b/설명.pptx
@@ -11,6 +11,7 @@
     <p:sldId id="259" r:id="rId5"/>
     <p:sldId id="260" r:id="rId6"/>
     <p:sldId id="261" r:id="rId7"/>
+    <p:sldId id="262" r:id="rId8"/>
   </p:sldIdLst>
   <p:sldSz cx="12192000" cy="6858000"/>
   <p:notesSz cx="6858000" cy="9144000"/>
@@ -264,7 +265,7 @@
           <a:p>
             <a:fld id="{FFD2F611-C044-467F-B8C4-A6B6B4A4C41D}" type="datetimeFigureOut">
               <a:rPr lang="ko-KR" altLang="en-US" smtClean="0"/>
-              <a:t>2021-01-15</a:t>
+              <a:t>2021-01-22</a:t>
             </a:fld>
             <a:endParaRPr lang="ko-KR" altLang="en-US"/>
           </a:p>
@@ -462,7 +463,7 @@
           <a:p>
             <a:fld id="{FFD2F611-C044-467F-B8C4-A6B6B4A4C41D}" type="datetimeFigureOut">
               <a:rPr lang="ko-KR" altLang="en-US" smtClean="0"/>
-              <a:t>2021-01-15</a:t>
+              <a:t>2021-01-22</a:t>
             </a:fld>
             <a:endParaRPr lang="ko-KR" altLang="en-US"/>
           </a:p>
@@ -670,7 +671,7 @@
           <a:p>
             <a:fld id="{FFD2F611-C044-467F-B8C4-A6B6B4A4C41D}" type="datetimeFigureOut">
               <a:rPr lang="ko-KR" altLang="en-US" smtClean="0"/>
-              <a:t>2021-01-15</a:t>
+              <a:t>2021-01-22</a:t>
             </a:fld>
             <a:endParaRPr lang="ko-KR" altLang="en-US"/>
           </a:p>
@@ -868,7 +869,7 @@
           <a:p>
             <a:fld id="{FFD2F611-C044-467F-B8C4-A6B6B4A4C41D}" type="datetimeFigureOut">
               <a:rPr lang="ko-KR" altLang="en-US" smtClean="0"/>
-              <a:t>2021-01-15</a:t>
+              <a:t>2021-01-22</a:t>
             </a:fld>
             <a:endParaRPr lang="ko-KR" altLang="en-US"/>
           </a:p>
@@ -1143,7 +1144,7 @@
           <a:p>
             <a:fld id="{FFD2F611-C044-467F-B8C4-A6B6B4A4C41D}" type="datetimeFigureOut">
               <a:rPr lang="ko-KR" altLang="en-US" smtClean="0"/>
-              <a:t>2021-01-15</a:t>
+              <a:t>2021-01-22</a:t>
             </a:fld>
             <a:endParaRPr lang="ko-KR" altLang="en-US"/>
           </a:p>
@@ -1408,7 +1409,7 @@
           <a:p>
             <a:fld id="{FFD2F611-C044-467F-B8C4-A6B6B4A4C41D}" type="datetimeFigureOut">
               <a:rPr lang="ko-KR" altLang="en-US" smtClean="0"/>
-              <a:t>2021-01-15</a:t>
+              <a:t>2021-01-22</a:t>
             </a:fld>
             <a:endParaRPr lang="ko-KR" altLang="en-US"/>
           </a:p>
@@ -1820,7 +1821,7 @@
           <a:p>
             <a:fld id="{FFD2F611-C044-467F-B8C4-A6B6B4A4C41D}" type="datetimeFigureOut">
               <a:rPr lang="ko-KR" altLang="en-US" smtClean="0"/>
-              <a:t>2021-01-15</a:t>
+              <a:t>2021-01-22</a:t>
             </a:fld>
             <a:endParaRPr lang="ko-KR" altLang="en-US"/>
           </a:p>
@@ -1961,7 +1962,7 @@
           <a:p>
             <a:fld id="{FFD2F611-C044-467F-B8C4-A6B6B4A4C41D}" type="datetimeFigureOut">
               <a:rPr lang="ko-KR" altLang="en-US" smtClean="0"/>
-              <a:t>2021-01-15</a:t>
+              <a:t>2021-01-22</a:t>
             </a:fld>
             <a:endParaRPr lang="ko-KR" altLang="en-US"/>
           </a:p>
@@ -2074,7 +2075,7 @@
           <a:p>
             <a:fld id="{FFD2F611-C044-467F-B8C4-A6B6B4A4C41D}" type="datetimeFigureOut">
               <a:rPr lang="ko-KR" altLang="en-US" smtClean="0"/>
-              <a:t>2021-01-15</a:t>
+              <a:t>2021-01-22</a:t>
             </a:fld>
             <a:endParaRPr lang="ko-KR" altLang="en-US"/>
           </a:p>
@@ -2385,7 +2386,7 @@
           <a:p>
             <a:fld id="{FFD2F611-C044-467F-B8C4-A6B6B4A4C41D}" type="datetimeFigureOut">
               <a:rPr lang="ko-KR" altLang="en-US" smtClean="0"/>
-              <a:t>2021-01-15</a:t>
+              <a:t>2021-01-22</a:t>
             </a:fld>
             <a:endParaRPr lang="ko-KR" altLang="en-US"/>
           </a:p>
@@ -2673,7 +2674,7 @@
           <a:p>
             <a:fld id="{FFD2F611-C044-467F-B8C4-A6B6B4A4C41D}" type="datetimeFigureOut">
               <a:rPr lang="ko-KR" altLang="en-US" smtClean="0"/>
-              <a:t>2021-01-15</a:t>
+              <a:t>2021-01-22</a:t>
             </a:fld>
             <a:endParaRPr lang="ko-KR" altLang="en-US"/>
           </a:p>
@@ -2914,7 +2915,7 @@
           <a:p>
             <a:fld id="{FFD2F611-C044-467F-B8C4-A6B6B4A4C41D}" type="datetimeFigureOut">
               <a:rPr lang="ko-KR" altLang="en-US" smtClean="0"/>
-              <a:t>2021-01-15</a:t>
+              <a:t>2021-01-22</a:t>
             </a:fld>
             <a:endParaRPr lang="ko-KR" altLang="en-US"/>
           </a:p>
@@ -4003,7 +4004,9 @@
         </p:nvSpPr>
         <p:spPr/>
         <p:txBody>
-          <a:bodyPr/>
+          <a:bodyPr>
+            <a:normAutofit lnSpcReduction="10000"/>
+          </a:bodyPr>
           <a:lstStyle/>
           <a:p>
             <a:r>
@@ -4013,13 +4016,10 @@
             <a:endParaRPr lang="en-US" altLang="ko-KR" dirty="0"/>
           </a:p>
           <a:p>
-            <a:pPr marL="457200" lvl="1" indent="0">
-              <a:buNone/>
+            <a:pPr lvl="1">
+              <a:buFontTx/>
+              <a:buChar char="-"/>
             </a:pPr>
-            <a:r>
-              <a:rPr lang="en-US" altLang="ko-KR" dirty="0"/>
-              <a:t>- </a:t>
-            </a:r>
             <a:r>
               <a:rPr lang="ko-KR" altLang="en-US" dirty="0"/>
               <a:t>카카오 계정으로 회원가입 완료</a:t>
@@ -4027,6 +4027,54 @@
             <a:endParaRPr lang="en-US" altLang="ko-KR" dirty="0"/>
           </a:p>
           <a:p>
+            <a:pPr lvl="1">
+              <a:buFontTx/>
+              <a:buChar char="-"/>
+            </a:pPr>
+            <a:r>
+              <a:rPr lang="ko-KR" altLang="en-US" dirty="0"/>
+              <a:t>구글 계정 회원가입 진행 중 </a:t>
+            </a:r>
+            <a:r>
+              <a:rPr lang="en-US" altLang="ko-KR" dirty="0"/>
+              <a:t>– token </a:t>
+            </a:r>
+            <a:r>
+              <a:rPr lang="ko-KR" altLang="en-US" dirty="0"/>
+              <a:t>수령은 완료</a:t>
+            </a:r>
+            <a:endParaRPr lang="en-US" altLang="ko-KR" dirty="0"/>
+          </a:p>
+          <a:p>
+            <a:pPr marL="457200" lvl="1" indent="0">
+              <a:buNone/>
+            </a:pPr>
+            <a:r>
+              <a:rPr lang="ko-KR" altLang="en-US" dirty="0" err="1"/>
+              <a:t>ㄴ</a:t>
+            </a:r>
+            <a:r>
+              <a:rPr lang="ko-KR" altLang="en-US" dirty="0"/>
+              <a:t> 현재 </a:t>
+            </a:r>
+            <a:r>
+              <a:rPr lang="en-US" altLang="ko-KR" dirty="0"/>
+              <a:t>Google redirect </a:t>
+            </a:r>
+            <a:r>
+              <a:rPr lang="ko-KR" altLang="en-US" dirty="0"/>
+              <a:t>작업 중 </a:t>
+            </a:r>
+            <a:endParaRPr lang="en-US" altLang="ko-KR" dirty="0"/>
+          </a:p>
+          <a:p>
+            <a:pPr lvl="1">
+              <a:buFontTx/>
+              <a:buChar char="-"/>
+            </a:pPr>
+            <a:endParaRPr lang="en-US" altLang="ko-KR" dirty="0"/>
+          </a:p>
+          <a:p>
             <a:endParaRPr lang="en-US" altLang="ko-KR" dirty="0"/>
           </a:p>
           <a:p>
@@ -4040,15 +4088,56 @@
             </a:r>
             <a:r>
               <a:rPr lang="ko-KR" altLang="en-US" dirty="0"/>
-              <a:t>로그아웃 </a:t>
+              <a:t>로그아웃</a:t>
             </a:r>
             <a:r>
               <a:rPr lang="en-US" altLang="ko-KR" dirty="0"/>
-              <a:t>– </a:t>
+              <a:t>/ID,PASSWORD </a:t>
             </a:r>
             <a:r>
               <a:rPr lang="ko-KR" altLang="en-US" dirty="0"/>
-              <a:t>구현 필요</a:t>
+              <a:t>찾기</a:t>
+            </a:r>
+            <a:endParaRPr lang="en-US" altLang="ko-KR" dirty="0"/>
+          </a:p>
+          <a:p>
+            <a:pPr lvl="1">
+              <a:buFontTx/>
+              <a:buChar char="-"/>
+            </a:pPr>
+            <a:r>
+              <a:rPr lang="ko-KR" altLang="en-US" dirty="0"/>
+              <a:t>로그인</a:t>
+            </a:r>
+            <a:r>
+              <a:rPr lang="en-US" altLang="ko-KR" dirty="0"/>
+              <a:t>/</a:t>
+            </a:r>
+            <a:r>
+              <a:rPr lang="ko-KR" altLang="en-US" dirty="0"/>
+              <a:t>로그아웃 기능 구현 완료</a:t>
+            </a:r>
+            <a:endParaRPr lang="en-US" altLang="ko-KR" dirty="0"/>
+          </a:p>
+          <a:p>
+            <a:pPr lvl="1">
+              <a:buFontTx/>
+              <a:buChar char="-"/>
+            </a:pPr>
+            <a:r>
+              <a:rPr lang="en-US" altLang="ko-KR" dirty="0"/>
+              <a:t>ID/PASSWORD </a:t>
+            </a:r>
+            <a:r>
+              <a:rPr lang="ko-KR" altLang="en-US" dirty="0"/>
+              <a:t>찾기 진행 중</a:t>
+            </a:r>
+            <a:endParaRPr lang="en-US" altLang="ko-KR" dirty="0"/>
+          </a:p>
+          <a:p>
+            <a:r>
+              <a:rPr lang="ko-KR" altLang="en-US" dirty="0"/>
+              <a:t>게시판 기능</a:t>
             </a:r>
             <a:endParaRPr lang="en-US" altLang="ko-KR" dirty="0"/>
           </a:p>
@@ -4177,6 +4266,598 @@
     <p:extLst>
       <p:ext uri="{BB962C8B-B14F-4D97-AF65-F5344CB8AC3E}">
         <p14:creationId xmlns:p14="http://schemas.microsoft.com/office/powerpoint/2010/main" val="453296809"/>
+      </p:ext>
+    </p:extLst>
+  </p:cSld>
+  <p:clrMapOvr>
+    <a:masterClrMapping/>
+  </p:clrMapOvr>
+</p:sld>
+</file>
+
+<file path=ppt/slides/slide7.xml><?xml version="1.0" encoding="utf-8"?>
+<p:sld xmlns:a="http://schemas.openxmlformats.org/drawingml/2006/main" xmlns:r="http://schemas.openxmlformats.org/officeDocument/2006/relationships" xmlns:p="http://schemas.openxmlformats.org/presentationml/2006/main">
+  <p:cSld>
+    <p:spTree>
+      <p:nvGrpSpPr>
+        <p:cNvPr id="1" name=""/>
+        <p:cNvGrpSpPr/>
+        <p:nvPr/>
+      </p:nvGrpSpPr>
+      <p:grpSpPr>
+        <a:xfrm>
+          <a:off x="0" y="0"/>
+          <a:ext cx="0" cy="0"/>
+          <a:chOff x="0" y="0"/>
+          <a:chExt cx="0" cy="0"/>
+        </a:xfrm>
+      </p:grpSpPr>
+      <p:grpSp>
+        <p:nvGrpSpPr>
+          <p:cNvPr id="19" name="그룹 18">
+            <a:extLst>
+              <a:ext uri="{FF2B5EF4-FFF2-40B4-BE49-F238E27FC236}">
+                <a16:creationId xmlns:a16="http://schemas.microsoft.com/office/drawing/2014/main" id="{56B3ACA8-28B3-4411-BA0D-A49DC655AF63}"/>
+              </a:ext>
+            </a:extLst>
+          </p:cNvPr>
+          <p:cNvGrpSpPr/>
+          <p:nvPr/>
+        </p:nvGrpSpPr>
+        <p:grpSpPr>
+          <a:xfrm>
+            <a:off x="2621280" y="0"/>
+            <a:ext cx="6409509" cy="6858000"/>
+            <a:chOff x="2621280" y="0"/>
+            <a:chExt cx="6409509" cy="6858000"/>
+          </a:xfrm>
+        </p:grpSpPr>
+        <p:sp>
+          <p:nvSpPr>
+            <p:cNvPr id="4" name="사각형: 둥근 모서리 3">
+              <a:extLst>
+                <a:ext uri="{FF2B5EF4-FFF2-40B4-BE49-F238E27FC236}">
+                  <a16:creationId xmlns:a16="http://schemas.microsoft.com/office/drawing/2014/main" id="{FAE61275-7E37-48B1-8C6A-3157AC5B3C58}"/>
+                </a:ext>
+              </a:extLst>
+            </p:cNvPr>
+            <p:cNvSpPr/>
+            <p:nvPr/>
+          </p:nvSpPr>
+          <p:spPr>
+            <a:xfrm>
+              <a:off x="2621280" y="0"/>
+              <a:ext cx="6409509" cy="6858000"/>
+            </a:xfrm>
+            <a:prstGeom prst="roundRect">
+              <a:avLst>
+                <a:gd name="adj" fmla="val 5312"/>
+              </a:avLst>
+            </a:prstGeom>
+            <a:noFill/>
+            <a:ln w="44450">
+              <a:solidFill>
+                <a:schemeClr val="tx1"/>
+              </a:solidFill>
+            </a:ln>
+          </p:spPr>
+          <p:style>
+            <a:lnRef idx="2">
+              <a:schemeClr val="accent1">
+                <a:shade val="50000"/>
+              </a:schemeClr>
+            </a:lnRef>
+            <a:fillRef idx="1">
+              <a:schemeClr val="accent1"/>
+            </a:fillRef>
+            <a:effectRef idx="0">
+              <a:schemeClr val="accent1"/>
+            </a:effectRef>
+            <a:fontRef idx="minor">
+              <a:schemeClr val="lt1"/>
+            </a:fontRef>
+          </p:style>
+          <p:txBody>
+            <a:bodyPr rtlCol="0" anchor="ctr"/>
+            <a:lstStyle/>
+            <a:p>
+              <a:pPr algn="ctr"/>
+              <a:endParaRPr lang="ko-KR" altLang="en-US"/>
+            </a:p>
+          </p:txBody>
+        </p:sp>
+        <p:sp>
+          <p:nvSpPr>
+            <p:cNvPr id="5" name="사각형: 둥근 모서리 4">
+              <a:extLst>
+                <a:ext uri="{FF2B5EF4-FFF2-40B4-BE49-F238E27FC236}">
+                  <a16:creationId xmlns:a16="http://schemas.microsoft.com/office/drawing/2014/main" id="{EB32BE72-4A09-4768-BE3D-79EA0F12EA76}"/>
+                </a:ext>
+              </a:extLst>
+            </p:cNvPr>
+            <p:cNvSpPr/>
+            <p:nvPr/>
+          </p:nvSpPr>
+          <p:spPr>
+            <a:xfrm>
+              <a:off x="3256384" y="678326"/>
+              <a:ext cx="3806889" cy="478670"/>
+            </a:xfrm>
+            <a:prstGeom prst="roundRect">
+              <a:avLst/>
+            </a:prstGeom>
+            <a:noFill/>
+            <a:ln w="44450">
+              <a:solidFill>
+                <a:schemeClr val="tx1"/>
+              </a:solidFill>
+            </a:ln>
+          </p:spPr>
+          <p:style>
+            <a:lnRef idx="2">
+              <a:schemeClr val="accent1">
+                <a:shade val="50000"/>
+              </a:schemeClr>
+            </a:lnRef>
+            <a:fillRef idx="1">
+              <a:schemeClr val="accent1"/>
+            </a:fillRef>
+            <a:effectRef idx="0">
+              <a:schemeClr val="accent1"/>
+            </a:effectRef>
+            <a:fontRef idx="minor">
+              <a:schemeClr val="lt1"/>
+            </a:fontRef>
+          </p:style>
+          <p:txBody>
+            <a:bodyPr rtlCol="0" anchor="ctr"/>
+            <a:lstStyle/>
+            <a:p>
+              <a:pPr algn="ctr"/>
+              <a:r>
+                <a:rPr lang="en-US" altLang="ko-KR" dirty="0"/>
+                <a:t>I</a:t>
+              </a:r>
+              <a:endParaRPr lang="ko-KR" altLang="en-US" dirty="0"/>
+            </a:p>
+          </p:txBody>
+        </p:sp>
+        <p:sp>
+          <p:nvSpPr>
+            <p:cNvPr id="6" name="사각형: 둥근 모서리 5">
+              <a:extLst>
+                <a:ext uri="{FF2B5EF4-FFF2-40B4-BE49-F238E27FC236}">
+                  <a16:creationId xmlns:a16="http://schemas.microsoft.com/office/drawing/2014/main" id="{657E72C4-5452-42FF-8DEF-48A0B0A2A6A9}"/>
+                </a:ext>
+              </a:extLst>
+            </p:cNvPr>
+            <p:cNvSpPr/>
+            <p:nvPr/>
+          </p:nvSpPr>
+          <p:spPr>
+            <a:xfrm>
+              <a:off x="3256384" y="1782445"/>
+              <a:ext cx="3806889" cy="478670"/>
+            </a:xfrm>
+            <a:prstGeom prst="roundRect">
+              <a:avLst/>
+            </a:prstGeom>
+            <a:noFill/>
+            <a:ln w="44450">
+              <a:solidFill>
+                <a:schemeClr val="tx1"/>
+              </a:solidFill>
+            </a:ln>
+          </p:spPr>
+          <p:style>
+            <a:lnRef idx="2">
+              <a:schemeClr val="accent1">
+                <a:shade val="50000"/>
+              </a:schemeClr>
+            </a:lnRef>
+            <a:fillRef idx="1">
+              <a:schemeClr val="accent1"/>
+            </a:fillRef>
+            <a:effectRef idx="0">
+              <a:schemeClr val="accent1"/>
+            </a:effectRef>
+            <a:fontRef idx="minor">
+              <a:schemeClr val="lt1"/>
+            </a:fontRef>
+          </p:style>
+          <p:txBody>
+            <a:bodyPr rtlCol="0" anchor="ctr"/>
+            <a:lstStyle/>
+            <a:p>
+              <a:pPr algn="ctr"/>
+              <a:endParaRPr lang="ko-KR" altLang="en-US"/>
+            </a:p>
+          </p:txBody>
+        </p:sp>
+        <p:sp>
+          <p:nvSpPr>
+            <p:cNvPr id="7" name="사각형: 둥근 모서리 6">
+              <a:extLst>
+                <a:ext uri="{FF2B5EF4-FFF2-40B4-BE49-F238E27FC236}">
+                  <a16:creationId xmlns:a16="http://schemas.microsoft.com/office/drawing/2014/main" id="{2FCFB3D2-0C96-46E5-85F3-83862C1A6812}"/>
+                </a:ext>
+              </a:extLst>
+            </p:cNvPr>
+            <p:cNvSpPr/>
+            <p:nvPr/>
+          </p:nvSpPr>
+          <p:spPr>
+            <a:xfrm>
+              <a:off x="3256384" y="2886564"/>
+              <a:ext cx="5139300" cy="482247"/>
+            </a:xfrm>
+            <a:prstGeom prst="roundRect">
+              <a:avLst/>
+            </a:prstGeom>
+            <a:noFill/>
+            <a:ln w="44450">
+              <a:solidFill>
+                <a:schemeClr val="tx1"/>
+              </a:solidFill>
+            </a:ln>
+          </p:spPr>
+          <p:style>
+            <a:lnRef idx="2">
+              <a:schemeClr val="accent1">
+                <a:shade val="50000"/>
+              </a:schemeClr>
+            </a:lnRef>
+            <a:fillRef idx="1">
+              <a:schemeClr val="accent1"/>
+            </a:fillRef>
+            <a:effectRef idx="0">
+              <a:schemeClr val="accent1"/>
+            </a:effectRef>
+            <a:fontRef idx="minor">
+              <a:schemeClr val="lt1"/>
+            </a:fontRef>
+          </p:style>
+          <p:txBody>
+            <a:bodyPr rtlCol="0" anchor="ctr"/>
+            <a:lstStyle/>
+            <a:p>
+              <a:pPr algn="ctr"/>
+              <a:r>
+                <a:rPr lang="en-US" altLang="ko-KR" dirty="0">
+                  <a:solidFill>
+                    <a:schemeClr val="tx1"/>
+                  </a:solidFill>
+                </a:rPr>
+                <a:t>ID/PASSWORD </a:t>
+              </a:r>
+              <a:r>
+                <a:rPr lang="ko-KR" altLang="en-US" dirty="0">
+                  <a:solidFill>
+                    <a:schemeClr val="tx1"/>
+                  </a:solidFill>
+                </a:rPr>
+                <a:t>찾기</a:t>
+              </a:r>
+            </a:p>
+          </p:txBody>
+        </p:sp>
+        <p:sp>
+          <p:nvSpPr>
+            <p:cNvPr id="8" name="TextBox 7">
+              <a:extLst>
+                <a:ext uri="{FF2B5EF4-FFF2-40B4-BE49-F238E27FC236}">
+                  <a16:creationId xmlns:a16="http://schemas.microsoft.com/office/drawing/2014/main" id="{E8A355D4-C87A-411B-8678-C11008A019AA}"/>
+                </a:ext>
+              </a:extLst>
+            </p:cNvPr>
+            <p:cNvSpPr txBox="1"/>
+            <p:nvPr/>
+          </p:nvSpPr>
+          <p:spPr>
+            <a:xfrm>
+              <a:off x="3256384" y="299664"/>
+              <a:ext cx="412292" cy="369332"/>
+            </a:xfrm>
+            <a:prstGeom prst="rect">
+              <a:avLst/>
+            </a:prstGeom>
+            <a:noFill/>
+          </p:spPr>
+          <p:txBody>
+            <a:bodyPr wrap="none" rtlCol="0">
+              <a:spAutoFit/>
+            </a:bodyPr>
+            <a:lstStyle/>
+            <a:p>
+              <a:r>
+                <a:rPr lang="en-US" altLang="ko-KR" dirty="0"/>
+                <a:t>ID</a:t>
+              </a:r>
+              <a:endParaRPr lang="ko-KR" altLang="en-US" dirty="0"/>
+            </a:p>
+          </p:txBody>
+        </p:sp>
+        <p:sp>
+          <p:nvSpPr>
+            <p:cNvPr id="9" name="TextBox 8">
+              <a:extLst>
+                <a:ext uri="{FF2B5EF4-FFF2-40B4-BE49-F238E27FC236}">
+                  <a16:creationId xmlns:a16="http://schemas.microsoft.com/office/drawing/2014/main" id="{14D85511-E814-479D-A708-923E6438BF4D}"/>
+                </a:ext>
+              </a:extLst>
+            </p:cNvPr>
+            <p:cNvSpPr txBox="1"/>
+            <p:nvPr/>
+          </p:nvSpPr>
+          <p:spPr>
+            <a:xfrm>
+              <a:off x="3256384" y="1357049"/>
+              <a:ext cx="1402885" cy="369332"/>
+            </a:xfrm>
+            <a:prstGeom prst="rect">
+              <a:avLst/>
+            </a:prstGeom>
+            <a:noFill/>
+          </p:spPr>
+          <p:txBody>
+            <a:bodyPr wrap="none" rtlCol="0">
+              <a:spAutoFit/>
+            </a:bodyPr>
+            <a:lstStyle/>
+            <a:p>
+              <a:r>
+                <a:rPr lang="en-US" altLang="ko-KR" dirty="0"/>
+                <a:t>PASSWORD</a:t>
+              </a:r>
+              <a:endParaRPr lang="ko-KR" altLang="en-US" dirty="0"/>
+            </a:p>
+          </p:txBody>
+        </p:sp>
+        <p:cxnSp>
+          <p:nvCxnSpPr>
+            <p:cNvPr id="11" name="직선 연결선 10">
+              <a:extLst>
+                <a:ext uri="{FF2B5EF4-FFF2-40B4-BE49-F238E27FC236}">
+                  <a16:creationId xmlns:a16="http://schemas.microsoft.com/office/drawing/2014/main" id="{F1E7FFCB-6555-4352-849F-18D3F997AFB3}"/>
+                </a:ext>
+              </a:extLst>
+            </p:cNvPr>
+            <p:cNvCxnSpPr/>
+            <p:nvPr/>
+          </p:nvCxnSpPr>
+          <p:spPr>
+            <a:xfrm>
+              <a:off x="2621280" y="3685592"/>
+              <a:ext cx="6409509" cy="0"/>
+            </a:xfrm>
+            <a:prstGeom prst="line">
+              <a:avLst/>
+            </a:prstGeom>
+            <a:ln w="15875">
+              <a:solidFill>
+                <a:schemeClr val="tx1"/>
+              </a:solidFill>
+              <a:prstDash val="sysDash"/>
+            </a:ln>
+          </p:spPr>
+          <p:style>
+            <a:lnRef idx="1">
+              <a:schemeClr val="accent1"/>
+            </a:lnRef>
+            <a:fillRef idx="0">
+              <a:schemeClr val="accent1"/>
+            </a:fillRef>
+            <a:effectRef idx="0">
+              <a:schemeClr val="accent1"/>
+            </a:effectRef>
+            <a:fontRef idx="minor">
+              <a:schemeClr val="tx1"/>
+            </a:fontRef>
+          </p:style>
+        </p:cxnSp>
+        <p:sp>
+          <p:nvSpPr>
+            <p:cNvPr id="14" name="사각형: 둥근 모서리 13">
+              <a:extLst>
+                <a:ext uri="{FF2B5EF4-FFF2-40B4-BE49-F238E27FC236}">
+                  <a16:creationId xmlns:a16="http://schemas.microsoft.com/office/drawing/2014/main" id="{60F2325A-7839-44BB-9561-9C59A73CCF61}"/>
+                </a:ext>
+              </a:extLst>
+            </p:cNvPr>
+            <p:cNvSpPr/>
+            <p:nvPr/>
+          </p:nvSpPr>
+          <p:spPr>
+            <a:xfrm>
+              <a:off x="3256384" y="4220326"/>
+              <a:ext cx="5139300" cy="482247"/>
+            </a:xfrm>
+            <a:prstGeom prst="roundRect">
+              <a:avLst/>
+            </a:prstGeom>
+            <a:noFill/>
+            <a:ln w="44450">
+              <a:solidFill>
+                <a:schemeClr val="tx1"/>
+              </a:solidFill>
+            </a:ln>
+          </p:spPr>
+          <p:style>
+            <a:lnRef idx="2">
+              <a:schemeClr val="accent1">
+                <a:shade val="50000"/>
+              </a:schemeClr>
+            </a:lnRef>
+            <a:fillRef idx="1">
+              <a:schemeClr val="accent1"/>
+            </a:fillRef>
+            <a:effectRef idx="0">
+              <a:schemeClr val="accent1"/>
+            </a:effectRef>
+            <a:fontRef idx="minor">
+              <a:schemeClr val="lt1"/>
+            </a:fontRef>
+          </p:style>
+          <p:txBody>
+            <a:bodyPr rtlCol="0" anchor="ctr"/>
+            <a:lstStyle/>
+            <a:p>
+              <a:pPr algn="ctr"/>
+              <a:r>
+                <a:rPr lang="en-US" altLang="ko-KR" dirty="0" err="1">
+                  <a:solidFill>
+                    <a:schemeClr val="tx1"/>
+                  </a:solidFill>
+                </a:rPr>
+                <a:t>KakaoTalk</a:t>
+              </a:r>
+              <a:r>
+                <a:rPr lang="ko-KR" altLang="en-US" dirty="0">
+                  <a:solidFill>
+                    <a:schemeClr val="tx1"/>
+                  </a:solidFill>
+                </a:rPr>
+                <a:t>으로 회원가입</a:t>
+              </a:r>
+            </a:p>
+          </p:txBody>
+        </p:sp>
+        <p:sp>
+          <p:nvSpPr>
+            <p:cNvPr id="15" name="사각형: 둥근 모서리 14">
+              <a:extLst>
+                <a:ext uri="{FF2B5EF4-FFF2-40B4-BE49-F238E27FC236}">
+                  <a16:creationId xmlns:a16="http://schemas.microsoft.com/office/drawing/2014/main" id="{D786076D-F88A-4347-9855-9CF11DD68299}"/>
+                </a:ext>
+              </a:extLst>
+            </p:cNvPr>
+            <p:cNvSpPr/>
+            <p:nvPr/>
+          </p:nvSpPr>
+          <p:spPr>
+            <a:xfrm>
+              <a:off x="3256384" y="5018704"/>
+              <a:ext cx="5139300" cy="482247"/>
+            </a:xfrm>
+            <a:prstGeom prst="roundRect">
+              <a:avLst/>
+            </a:prstGeom>
+            <a:noFill/>
+            <a:ln w="44450">
+              <a:solidFill>
+                <a:schemeClr val="tx1"/>
+              </a:solidFill>
+            </a:ln>
+          </p:spPr>
+          <p:style>
+            <a:lnRef idx="2">
+              <a:schemeClr val="accent1">
+                <a:shade val="50000"/>
+              </a:schemeClr>
+            </a:lnRef>
+            <a:fillRef idx="1">
+              <a:schemeClr val="accent1"/>
+            </a:fillRef>
+            <a:effectRef idx="0">
+              <a:schemeClr val="accent1"/>
+            </a:effectRef>
+            <a:fontRef idx="minor">
+              <a:schemeClr val="lt1"/>
+            </a:fontRef>
+          </p:style>
+          <p:txBody>
+            <a:bodyPr rtlCol="0" anchor="ctr"/>
+            <a:lstStyle/>
+            <a:p>
+              <a:pPr algn="ctr"/>
+              <a:r>
+                <a:rPr lang="en-US" altLang="ko-KR" dirty="0">
+                  <a:solidFill>
+                    <a:schemeClr val="tx1"/>
+                  </a:solidFill>
+                </a:rPr>
+                <a:t>Google</a:t>
+              </a:r>
+              <a:r>
+                <a:rPr lang="ko-KR" altLang="en-US" dirty="0">
+                  <a:solidFill>
+                    <a:schemeClr val="tx1"/>
+                  </a:solidFill>
+                </a:rPr>
+                <a:t>로 회원가입</a:t>
+              </a:r>
+            </a:p>
+          </p:txBody>
+        </p:sp>
+        <p:sp>
+          <p:nvSpPr>
+            <p:cNvPr id="18" name="사각형: 둥근 모서리 17">
+              <a:extLst>
+                <a:ext uri="{FF2B5EF4-FFF2-40B4-BE49-F238E27FC236}">
+                  <a16:creationId xmlns:a16="http://schemas.microsoft.com/office/drawing/2014/main" id="{FDD67F3D-F7C0-4A56-8B8B-9AA8AE219F76}"/>
+                </a:ext>
+              </a:extLst>
+            </p:cNvPr>
+            <p:cNvSpPr/>
+            <p:nvPr/>
+          </p:nvSpPr>
+          <p:spPr>
+            <a:xfrm>
+              <a:off x="7333861" y="678325"/>
+              <a:ext cx="1402884" cy="1582773"/>
+            </a:xfrm>
+            <a:prstGeom prst="roundRect">
+              <a:avLst/>
+            </a:prstGeom>
+            <a:noFill/>
+            <a:ln w="44450">
+              <a:solidFill>
+                <a:schemeClr val="tx1"/>
+              </a:solidFill>
+            </a:ln>
+          </p:spPr>
+          <p:style>
+            <a:lnRef idx="2">
+              <a:schemeClr val="accent1">
+                <a:shade val="50000"/>
+              </a:schemeClr>
+            </a:lnRef>
+            <a:fillRef idx="1">
+              <a:schemeClr val="accent1"/>
+            </a:fillRef>
+            <a:effectRef idx="0">
+              <a:schemeClr val="accent1"/>
+            </a:effectRef>
+            <a:fontRef idx="minor">
+              <a:schemeClr val="lt1"/>
+            </a:fontRef>
+          </p:style>
+          <p:txBody>
+            <a:bodyPr rtlCol="0" anchor="ctr"/>
+            <a:lstStyle/>
+            <a:p>
+              <a:pPr algn="ctr"/>
+              <a:r>
+                <a:rPr lang="en-US" altLang="ko-KR" dirty="0">
+                  <a:solidFill>
+                    <a:schemeClr val="tx1"/>
+                  </a:solidFill>
+                </a:rPr>
+                <a:t>Login</a:t>
+              </a:r>
+              <a:endParaRPr lang="ko-KR" altLang="en-US" dirty="0">
+                <a:solidFill>
+                  <a:schemeClr val="tx1"/>
+                </a:solidFill>
+              </a:endParaRPr>
+            </a:p>
+          </p:txBody>
+        </p:sp>
+      </p:grpSp>
+    </p:spTree>
+    <p:extLst>
+      <p:ext uri="{BB962C8B-B14F-4D97-AF65-F5344CB8AC3E}">
+        <p14:creationId xmlns:p14="http://schemas.microsoft.com/office/powerpoint/2010/main" val="68211749"/>
       </p:ext>
     </p:extLst>
   </p:cSld>

--- a/설명.pptx
+++ b/설명.pptx
@@ -265,7 +265,7 @@
           <a:p>
             <a:fld id="{FFD2F611-C044-467F-B8C4-A6B6B4A4C41D}" type="datetimeFigureOut">
               <a:rPr lang="ko-KR" altLang="en-US" smtClean="0"/>
-              <a:t>2021-01-22</a:t>
+              <a:t>2021-01-26</a:t>
             </a:fld>
             <a:endParaRPr lang="ko-KR" altLang="en-US"/>
           </a:p>
@@ -463,7 +463,7 @@
           <a:p>
             <a:fld id="{FFD2F611-C044-467F-B8C4-A6B6B4A4C41D}" type="datetimeFigureOut">
               <a:rPr lang="ko-KR" altLang="en-US" smtClean="0"/>
-              <a:t>2021-01-22</a:t>
+              <a:t>2021-01-26</a:t>
             </a:fld>
             <a:endParaRPr lang="ko-KR" altLang="en-US"/>
           </a:p>
@@ -671,7 +671,7 @@
           <a:p>
             <a:fld id="{FFD2F611-C044-467F-B8C4-A6B6B4A4C41D}" type="datetimeFigureOut">
               <a:rPr lang="ko-KR" altLang="en-US" smtClean="0"/>
-              <a:t>2021-01-22</a:t>
+              <a:t>2021-01-26</a:t>
             </a:fld>
             <a:endParaRPr lang="ko-KR" altLang="en-US"/>
           </a:p>
@@ -869,7 +869,7 @@
           <a:p>
             <a:fld id="{FFD2F611-C044-467F-B8C4-A6B6B4A4C41D}" type="datetimeFigureOut">
               <a:rPr lang="ko-KR" altLang="en-US" smtClean="0"/>
-              <a:t>2021-01-22</a:t>
+              <a:t>2021-01-26</a:t>
             </a:fld>
             <a:endParaRPr lang="ko-KR" altLang="en-US"/>
           </a:p>
@@ -1144,7 +1144,7 @@
           <a:p>
             <a:fld id="{FFD2F611-C044-467F-B8C4-A6B6B4A4C41D}" type="datetimeFigureOut">
               <a:rPr lang="ko-KR" altLang="en-US" smtClean="0"/>
-              <a:t>2021-01-22</a:t>
+              <a:t>2021-01-26</a:t>
             </a:fld>
             <a:endParaRPr lang="ko-KR" altLang="en-US"/>
           </a:p>
@@ -1409,7 +1409,7 @@
           <a:p>
             <a:fld id="{FFD2F611-C044-467F-B8C4-A6B6B4A4C41D}" type="datetimeFigureOut">
               <a:rPr lang="ko-KR" altLang="en-US" smtClean="0"/>
-              <a:t>2021-01-22</a:t>
+              <a:t>2021-01-26</a:t>
             </a:fld>
             <a:endParaRPr lang="ko-KR" altLang="en-US"/>
           </a:p>
@@ -1821,7 +1821,7 @@
           <a:p>
             <a:fld id="{FFD2F611-C044-467F-B8C4-A6B6B4A4C41D}" type="datetimeFigureOut">
               <a:rPr lang="ko-KR" altLang="en-US" smtClean="0"/>
-              <a:t>2021-01-22</a:t>
+              <a:t>2021-01-26</a:t>
             </a:fld>
             <a:endParaRPr lang="ko-KR" altLang="en-US"/>
           </a:p>
@@ -1962,7 +1962,7 @@
           <a:p>
             <a:fld id="{FFD2F611-C044-467F-B8C4-A6B6B4A4C41D}" type="datetimeFigureOut">
               <a:rPr lang="ko-KR" altLang="en-US" smtClean="0"/>
-              <a:t>2021-01-22</a:t>
+              <a:t>2021-01-26</a:t>
             </a:fld>
             <a:endParaRPr lang="ko-KR" altLang="en-US"/>
           </a:p>
@@ -2075,7 +2075,7 @@
           <a:p>
             <a:fld id="{FFD2F611-C044-467F-B8C4-A6B6B4A4C41D}" type="datetimeFigureOut">
               <a:rPr lang="ko-KR" altLang="en-US" smtClean="0"/>
-              <a:t>2021-01-22</a:t>
+              <a:t>2021-01-26</a:t>
             </a:fld>
             <a:endParaRPr lang="ko-KR" altLang="en-US"/>
           </a:p>
@@ -2386,7 +2386,7 @@
           <a:p>
             <a:fld id="{FFD2F611-C044-467F-B8C4-A6B6B4A4C41D}" type="datetimeFigureOut">
               <a:rPr lang="ko-KR" altLang="en-US" smtClean="0"/>
-              <a:t>2021-01-22</a:t>
+              <a:t>2021-01-26</a:t>
             </a:fld>
             <a:endParaRPr lang="ko-KR" altLang="en-US"/>
           </a:p>
@@ -2674,7 +2674,7 @@
           <a:p>
             <a:fld id="{FFD2F611-C044-467F-B8C4-A6B6B4A4C41D}" type="datetimeFigureOut">
               <a:rPr lang="ko-KR" altLang="en-US" smtClean="0"/>
-              <a:t>2021-01-22</a:t>
+              <a:t>2021-01-26</a:t>
             </a:fld>
             <a:endParaRPr lang="ko-KR" altLang="en-US"/>
           </a:p>
@@ -2915,7 +2915,7 @@
           <a:p>
             <a:fld id="{FFD2F611-C044-467F-B8C4-A6B6B4A4C41D}" type="datetimeFigureOut">
               <a:rPr lang="ko-KR" altLang="en-US" smtClean="0"/>
-              <a:t>2021-01-22</a:t>
+              <a:t>2021-01-26</a:t>
             </a:fld>
             <a:endParaRPr lang="ko-KR" altLang="en-US"/>
           </a:p>
@@ -4005,7 +4005,7 @@
         <p:spPr/>
         <p:txBody>
           <a:bodyPr>
-            <a:normAutofit lnSpcReduction="10000"/>
+            <a:normAutofit/>
           </a:bodyPr>
           <a:lstStyle/>
           <a:p>
@@ -4033,37 +4033,30 @@
             </a:pPr>
             <a:r>
               <a:rPr lang="ko-KR" altLang="en-US" dirty="0"/>
-              <a:t>구글 계정 회원가입 진행 중 </a:t>
+              <a:t>구글 계정 회원가입 완료</a:t>
+            </a:r>
+            <a:endParaRPr lang="en-US" altLang="ko-KR" dirty="0"/>
+          </a:p>
+          <a:p>
+            <a:r>
+              <a:rPr lang="ko-KR" altLang="en-US" dirty="0"/>
+              <a:t>로그인</a:t>
             </a:r>
             <a:r>
               <a:rPr lang="en-US" altLang="ko-KR" dirty="0"/>
-              <a:t>– token </a:t>
+              <a:t>/</a:t>
             </a:r>
             <a:r>
               <a:rPr lang="ko-KR" altLang="en-US" dirty="0"/>
-              <a:t>수령은 완료</a:t>
-            </a:r>
-            <a:endParaRPr lang="en-US" altLang="ko-KR" dirty="0"/>
-          </a:p>
-          <a:p>
-            <a:pPr marL="457200" lvl="1" indent="0">
-              <a:buNone/>
-            </a:pPr>
-            <a:r>
-              <a:rPr lang="ko-KR" altLang="en-US" dirty="0" err="1"/>
-              <a:t>ㄴ</a:t>
+              <a:t>로그아웃</a:t>
+            </a:r>
+            <a:r>
+              <a:rPr lang="en-US" altLang="ko-KR" dirty="0"/>
+              <a:t>/ID,PASSWORD </a:t>
             </a:r>
             <a:r>
               <a:rPr lang="ko-KR" altLang="en-US" dirty="0"/>
-              <a:t> 현재 </a:t>
-            </a:r>
-            <a:r>
-              <a:rPr lang="en-US" altLang="ko-KR" dirty="0"/>
-              <a:t>Google redirect </a:t>
-            </a:r>
-            <a:r>
-              <a:rPr lang="ko-KR" altLang="en-US" dirty="0"/>
-              <a:t>작업 중 </a:t>
+              <a:t>찾기</a:t>
             </a:r>
             <a:endParaRPr lang="en-US" altLang="ko-KR" dirty="0"/>
           </a:p>
@@ -4072,12 +4065,6 @@
               <a:buFontTx/>
               <a:buChar char="-"/>
             </a:pPr>
-            <a:endParaRPr lang="en-US" altLang="ko-KR" dirty="0"/>
-          </a:p>
-          <a:p>
-            <a:endParaRPr lang="en-US" altLang="ko-KR" dirty="0"/>
-          </a:p>
-          <a:p>
             <a:r>
               <a:rPr lang="ko-KR" altLang="en-US" dirty="0"/>
               <a:t>로그인</a:t>
@@ -4088,15 +4075,7 @@
             </a:r>
             <a:r>
               <a:rPr lang="ko-KR" altLang="en-US" dirty="0"/>
-              <a:t>로그아웃</a:t>
-            </a:r>
-            <a:r>
-              <a:rPr lang="en-US" altLang="ko-KR" dirty="0"/>
-              <a:t>/ID,PASSWORD </a:t>
-            </a:r>
-            <a:r>
-              <a:rPr lang="ko-KR" altLang="en-US" dirty="0"/>
-              <a:t>찾기</a:t>
+              <a:t>로그아웃 기능 구현 완료</a:t>
             </a:r>
             <a:endParaRPr lang="en-US" altLang="ko-KR" dirty="0"/>
           </a:p>
@@ -4106,25 +4085,6 @@
               <a:buChar char="-"/>
             </a:pPr>
             <a:r>
-              <a:rPr lang="ko-KR" altLang="en-US" dirty="0"/>
-              <a:t>로그인</a:t>
-            </a:r>
-            <a:r>
-              <a:rPr lang="en-US" altLang="ko-KR" dirty="0"/>
-              <a:t>/</a:t>
-            </a:r>
-            <a:r>
-              <a:rPr lang="ko-KR" altLang="en-US" dirty="0"/>
-              <a:t>로그아웃 기능 구현 완료</a:t>
-            </a:r>
-            <a:endParaRPr lang="en-US" altLang="ko-KR" dirty="0"/>
-          </a:p>
-          <a:p>
-            <a:pPr lvl="1">
-              <a:buFontTx/>
-              <a:buChar char="-"/>
-            </a:pPr>
-            <a:r>
               <a:rPr lang="en-US" altLang="ko-KR" dirty="0"/>
               <a:t>ID/PASSWORD </a:t>
             </a:r>
@@ -4132,7 +4092,10 @@
               <a:rPr lang="ko-KR" altLang="en-US" dirty="0"/>
               <a:t>찾기 진행 중</a:t>
             </a:r>
-            <a:endParaRPr lang="en-US" altLang="ko-KR" dirty="0"/>
+            <a:r>
+              <a:rPr lang="en-US" altLang="ko-KR" dirty="0"/>
+              <a:t>…</a:t>
+            </a:r>
           </a:p>
           <a:p>
             <a:r>

--- a/설명.pptx
+++ b/설명.pptx
@@ -265,7 +265,7 @@
           <a:p>
             <a:fld id="{FFD2F611-C044-467F-B8C4-A6B6B4A4C41D}" type="datetimeFigureOut">
               <a:rPr lang="ko-KR" altLang="en-US" smtClean="0"/>
-              <a:t>2021-01-26</a:t>
+              <a:t>2021-01-29</a:t>
             </a:fld>
             <a:endParaRPr lang="ko-KR" altLang="en-US"/>
           </a:p>
@@ -463,7 +463,7 @@
           <a:p>
             <a:fld id="{FFD2F611-C044-467F-B8C4-A6B6B4A4C41D}" type="datetimeFigureOut">
               <a:rPr lang="ko-KR" altLang="en-US" smtClean="0"/>
-              <a:t>2021-01-26</a:t>
+              <a:t>2021-01-29</a:t>
             </a:fld>
             <a:endParaRPr lang="ko-KR" altLang="en-US"/>
           </a:p>
@@ -671,7 +671,7 @@
           <a:p>
             <a:fld id="{FFD2F611-C044-467F-B8C4-A6B6B4A4C41D}" type="datetimeFigureOut">
               <a:rPr lang="ko-KR" altLang="en-US" smtClean="0"/>
-              <a:t>2021-01-26</a:t>
+              <a:t>2021-01-29</a:t>
             </a:fld>
             <a:endParaRPr lang="ko-KR" altLang="en-US"/>
           </a:p>
@@ -869,7 +869,7 @@
           <a:p>
             <a:fld id="{FFD2F611-C044-467F-B8C4-A6B6B4A4C41D}" type="datetimeFigureOut">
               <a:rPr lang="ko-KR" altLang="en-US" smtClean="0"/>
-              <a:t>2021-01-26</a:t>
+              <a:t>2021-01-29</a:t>
             </a:fld>
             <a:endParaRPr lang="ko-KR" altLang="en-US"/>
           </a:p>
@@ -1144,7 +1144,7 @@
           <a:p>
             <a:fld id="{FFD2F611-C044-467F-B8C4-A6B6B4A4C41D}" type="datetimeFigureOut">
               <a:rPr lang="ko-KR" altLang="en-US" smtClean="0"/>
-              <a:t>2021-01-26</a:t>
+              <a:t>2021-01-29</a:t>
             </a:fld>
             <a:endParaRPr lang="ko-KR" altLang="en-US"/>
           </a:p>
@@ -1409,7 +1409,7 @@
           <a:p>
             <a:fld id="{FFD2F611-C044-467F-B8C4-A6B6B4A4C41D}" type="datetimeFigureOut">
               <a:rPr lang="ko-KR" altLang="en-US" smtClean="0"/>
-              <a:t>2021-01-26</a:t>
+              <a:t>2021-01-29</a:t>
             </a:fld>
             <a:endParaRPr lang="ko-KR" altLang="en-US"/>
           </a:p>
@@ -1821,7 +1821,7 @@
           <a:p>
             <a:fld id="{FFD2F611-C044-467F-B8C4-A6B6B4A4C41D}" type="datetimeFigureOut">
               <a:rPr lang="ko-KR" altLang="en-US" smtClean="0"/>
-              <a:t>2021-01-26</a:t>
+              <a:t>2021-01-29</a:t>
             </a:fld>
             <a:endParaRPr lang="ko-KR" altLang="en-US"/>
           </a:p>
@@ -1962,7 +1962,7 @@
           <a:p>
             <a:fld id="{FFD2F611-C044-467F-B8C4-A6B6B4A4C41D}" type="datetimeFigureOut">
               <a:rPr lang="ko-KR" altLang="en-US" smtClean="0"/>
-              <a:t>2021-01-26</a:t>
+              <a:t>2021-01-29</a:t>
             </a:fld>
             <a:endParaRPr lang="ko-KR" altLang="en-US"/>
           </a:p>
@@ -2075,7 +2075,7 @@
           <a:p>
             <a:fld id="{FFD2F611-C044-467F-B8C4-A6B6B4A4C41D}" type="datetimeFigureOut">
               <a:rPr lang="ko-KR" altLang="en-US" smtClean="0"/>
-              <a:t>2021-01-26</a:t>
+              <a:t>2021-01-29</a:t>
             </a:fld>
             <a:endParaRPr lang="ko-KR" altLang="en-US"/>
           </a:p>
@@ -2386,7 +2386,7 @@
           <a:p>
             <a:fld id="{FFD2F611-C044-467F-B8C4-A6B6B4A4C41D}" type="datetimeFigureOut">
               <a:rPr lang="ko-KR" altLang="en-US" smtClean="0"/>
-              <a:t>2021-01-26</a:t>
+              <a:t>2021-01-29</a:t>
             </a:fld>
             <a:endParaRPr lang="ko-KR" altLang="en-US"/>
           </a:p>
@@ -2674,7 +2674,7 @@
           <a:p>
             <a:fld id="{FFD2F611-C044-467F-B8C4-A6B6B4A4C41D}" type="datetimeFigureOut">
               <a:rPr lang="ko-KR" altLang="en-US" smtClean="0"/>
-              <a:t>2021-01-26</a:t>
+              <a:t>2021-01-29</a:t>
             </a:fld>
             <a:endParaRPr lang="ko-KR" altLang="en-US"/>
           </a:p>
@@ -2915,7 +2915,7 @@
           <a:p>
             <a:fld id="{FFD2F611-C044-467F-B8C4-A6B6B4A4C41D}" type="datetimeFigureOut">
               <a:rPr lang="ko-KR" altLang="en-US" smtClean="0"/>
-              <a:t>2021-01-26</a:t>
+              <a:t>2021-01-29</a:t>
             </a:fld>
             <a:endParaRPr lang="ko-KR" altLang="en-US"/>
           </a:p>
@@ -4090,12 +4090,9 @@
             </a:r>
             <a:r>
               <a:rPr lang="ko-KR" altLang="en-US" dirty="0"/>
-              <a:t>찾기 진행 중</a:t>
-            </a:r>
-            <a:r>
-              <a:rPr lang="en-US" altLang="ko-KR" dirty="0"/>
-              <a:t>…</a:t>
-            </a:r>
+              <a:t>기능 구현 완료</a:t>
+            </a:r>
+            <a:endParaRPr lang="en-US" altLang="ko-KR" dirty="0"/>
           </a:p>
           <a:p>
             <a:r>
